--- a/這是天父世界.pptx
+++ b/這是天父世界.pptx
@@ -109,6 +109,22 @@
       </a:defRPr>
     </a:lvl9pPr>
   </p:defaultTextStyle>
+  <p:extLst>
+    <p:ext uri="{EFAFB233-063F-42B5-8137-9DF3F51BA10A}">
+      <p15:sldGuideLst xmlns:p15="http://schemas.microsoft.com/office/powerpoint/2012/main">
+        <p15:guide id="1" orient="horz" pos="1620">
+          <p15:clr>
+            <a:srgbClr val="A4A3A4"/>
+          </p15:clr>
+        </p15:guide>
+        <p15:guide id="2" pos="2880">
+          <p15:clr>
+            <a:srgbClr val="A4A3A4"/>
+          </p15:clr>
+        </p15:guide>
+      </p15:sldGuideLst>
+    </p:ext>
+  </p:extLst>
 </p:presentation>
 </file>
 
@@ -293,7 +309,7 @@
           <a:p>
             <a:fld id="{4501EB18-C390-4468-93A4-92969EAFDCFE}" type="datetimeFigureOut">
               <a:rPr lang="en-US" smtClean="0"/>
-              <a:t>10/10/2019</a:t>
+              <a:t>10/11/2019</a:t>
             </a:fld>
             <a:endParaRPr lang="en-US"/>
           </a:p>
@@ -458,7 +474,7 @@
           <a:p>
             <a:fld id="{4501EB18-C390-4468-93A4-92969EAFDCFE}" type="datetimeFigureOut">
               <a:rPr lang="en-US" smtClean="0"/>
-              <a:t>10/10/2019</a:t>
+              <a:t>10/11/2019</a:t>
             </a:fld>
             <a:endParaRPr lang="en-US"/>
           </a:p>
@@ -633,7 +649,7 @@
           <a:p>
             <a:fld id="{4501EB18-C390-4468-93A4-92969EAFDCFE}" type="datetimeFigureOut">
               <a:rPr lang="en-US" smtClean="0"/>
-              <a:t>10/10/2019</a:t>
+              <a:t>10/11/2019</a:t>
             </a:fld>
             <a:endParaRPr lang="en-US"/>
           </a:p>
@@ -798,7 +814,7 @@
           <a:p>
             <a:fld id="{4501EB18-C390-4468-93A4-92969EAFDCFE}" type="datetimeFigureOut">
               <a:rPr lang="en-US" smtClean="0"/>
-              <a:t>10/10/2019</a:t>
+              <a:t>10/11/2019</a:t>
             </a:fld>
             <a:endParaRPr lang="en-US"/>
           </a:p>
@@ -1039,7 +1055,7 @@
           <a:p>
             <a:fld id="{4501EB18-C390-4468-93A4-92969EAFDCFE}" type="datetimeFigureOut">
               <a:rPr lang="en-US" smtClean="0"/>
-              <a:t>10/10/2019</a:t>
+              <a:t>10/11/2019</a:t>
             </a:fld>
             <a:endParaRPr lang="en-US"/>
           </a:p>
@@ -1322,7 +1338,7 @@
           <a:p>
             <a:fld id="{4501EB18-C390-4468-93A4-92969EAFDCFE}" type="datetimeFigureOut">
               <a:rPr lang="en-US" smtClean="0"/>
-              <a:t>10/10/2019</a:t>
+              <a:t>10/11/2019</a:t>
             </a:fld>
             <a:endParaRPr lang="en-US"/>
           </a:p>
@@ -1739,7 +1755,7 @@
           <a:p>
             <a:fld id="{4501EB18-C390-4468-93A4-92969EAFDCFE}" type="datetimeFigureOut">
               <a:rPr lang="en-US" smtClean="0"/>
-              <a:t>10/10/2019</a:t>
+              <a:t>10/11/2019</a:t>
             </a:fld>
             <a:endParaRPr lang="en-US"/>
           </a:p>
@@ -1852,7 +1868,7 @@
           <a:p>
             <a:fld id="{4501EB18-C390-4468-93A4-92969EAFDCFE}" type="datetimeFigureOut">
               <a:rPr lang="en-US" smtClean="0"/>
-              <a:t>10/10/2019</a:t>
+              <a:t>10/11/2019</a:t>
             </a:fld>
             <a:endParaRPr lang="en-US"/>
           </a:p>
@@ -1942,7 +1958,7 @@
           <a:p>
             <a:fld id="{4501EB18-C390-4468-93A4-92969EAFDCFE}" type="datetimeFigureOut">
               <a:rPr lang="en-US" smtClean="0"/>
-              <a:t>10/10/2019</a:t>
+              <a:t>10/11/2019</a:t>
             </a:fld>
             <a:endParaRPr lang="en-US"/>
           </a:p>
@@ -2214,7 +2230,7 @@
           <a:p>
             <a:fld id="{4501EB18-C390-4468-93A4-92969EAFDCFE}" type="datetimeFigureOut">
               <a:rPr lang="en-US" smtClean="0"/>
-              <a:t>10/10/2019</a:t>
+              <a:t>10/11/2019</a:t>
             </a:fld>
             <a:endParaRPr lang="en-US"/>
           </a:p>
@@ -2466,7 +2482,7 @@
           <a:p>
             <a:fld id="{4501EB18-C390-4468-93A4-92969EAFDCFE}" type="datetimeFigureOut">
               <a:rPr lang="en-US" smtClean="0"/>
-              <a:t>10/10/2019</a:t>
+              <a:t>10/11/2019</a:t>
             </a:fld>
             <a:endParaRPr lang="en-US"/>
           </a:p>
@@ -2679,7 +2695,7 @@
           <a:p>
             <a:fld id="{4501EB18-C390-4468-93A4-92969EAFDCFE}" type="datetimeFigureOut">
               <a:rPr lang="en-US" smtClean="0"/>
-              <a:t>10/10/2019</a:t>
+              <a:t>10/11/2019</a:t>
             </a:fld>
             <a:endParaRPr lang="en-US"/>
           </a:p>
@@ -3314,14 +3330,7 @@
                 <a:latin typeface="Microsoft JhengHei" pitchFamily="34" charset="-120"/>
                 <a:ea typeface="Microsoft JhengHei" pitchFamily="34" charset="-120"/>
               </a:rPr>
-              <a:t>這是天父世</a:t>
-            </a:r>
-            <a:r>
-              <a:rPr lang="zh-CN" altLang="en-US" sz="4800" b="1" dirty="0">
-                <a:latin typeface="Microsoft JhengHei" pitchFamily="34" charset="-120"/>
-                <a:ea typeface="Microsoft JhengHei" pitchFamily="34" charset="-120"/>
-              </a:rPr>
-              <a:t>界</a:t>
+              <a:t>這是天父世界</a:t>
             </a:r>
             <a:endParaRPr lang="en-US" sz="4800" b="1" dirty="0">
               <a:latin typeface="Microsoft JhengHei" pitchFamily="34" charset="-120"/>
@@ -3353,21 +3362,14 @@
                 <a:latin typeface="Microsoft JhengHei" pitchFamily="34" charset="-120"/>
                 <a:ea typeface="Microsoft JhengHei" pitchFamily="34" charset="-120"/>
               </a:rPr>
-              <a:t>樹</a:t>
-            </a:r>
-            <a:r>
-              <a:rPr lang="zh-CN" altLang="en-US" sz="4800" b="1" dirty="0">
+              <a:t>樹木花草</a:t>
+            </a:r>
+            <a:r>
+              <a:rPr lang="zh-CN" altLang="en-US" sz="4800" b="1" dirty="0" smtClean="0">
                 <a:latin typeface="Microsoft JhengHei" pitchFamily="34" charset="-120"/>
                 <a:ea typeface="Microsoft JhengHei" pitchFamily="34" charset="-120"/>
               </a:rPr>
-              <a:t>木花草藍天碧</a:t>
-            </a:r>
-            <a:r>
-              <a:rPr lang="zh-CN" altLang="en-US" sz="4800" b="1" dirty="0">
-                <a:latin typeface="Microsoft JhengHei" pitchFamily="34" charset="-120"/>
-                <a:ea typeface="Microsoft JhengHei" pitchFamily="34" charset="-120"/>
-              </a:rPr>
-              <a:t>海</a:t>
+              <a:t>藍天    海</a:t>
             </a:r>
             <a:endParaRPr lang="en-US" sz="4800" b="1" dirty="0">
               <a:latin typeface="Microsoft JhengHei" pitchFamily="34" charset="-120"/>
@@ -3386,6 +3388,42 @@
               <a:t>述說天父全能</a:t>
             </a:r>
             <a:endParaRPr lang="en-US" sz="4800" b="1" dirty="0">
+              <a:latin typeface="Microsoft JhengHei" pitchFamily="34" charset="-120"/>
+              <a:ea typeface="Microsoft JhengHei" pitchFamily="34" charset="-120"/>
+            </a:endParaRPr>
+          </a:p>
+        </p:txBody>
+      </p:sp>
+      <p:sp>
+        <p:nvSpPr>
+          <p:cNvPr id="4" name="文字方塊 3"/>
+          <p:cNvSpPr txBox="1"/>
+          <p:nvPr/>
+        </p:nvSpPr>
+        <p:spPr>
+          <a:xfrm>
+            <a:off x="5715000" y="2952750"/>
+            <a:ext cx="1143000" cy="830997"/>
+          </a:xfrm>
+          <a:prstGeom prst="rect">
+            <a:avLst/>
+          </a:prstGeom>
+          <a:noFill/>
+        </p:spPr>
+        <p:txBody>
+          <a:bodyPr wrap="square" rtlCol="0">
+            <a:spAutoFit/>
+          </a:bodyPr>
+          <a:lstStyle/>
+          <a:p>
+            <a:r>
+              <a:rPr lang="zh-CN" altLang="en-US" sz="4800" b="1" dirty="0">
+                <a:latin typeface="Microsoft JhengHei" pitchFamily="34" charset="-120"/>
+                <a:ea typeface="Microsoft JhengHei" pitchFamily="34" charset="-120"/>
+              </a:rPr>
+              <a:t>碧</a:t>
+            </a:r>
+            <a:endParaRPr lang="zh-TW" altLang="en-US" sz="4800" b="1" dirty="0">
               <a:latin typeface="Microsoft JhengHei" pitchFamily="34" charset="-120"/>
               <a:ea typeface="Microsoft JhengHei" pitchFamily="34" charset="-120"/>
             </a:endParaRPr>
@@ -3483,14 +3521,23 @@
                 <a:latin typeface="Microsoft JhengHei" pitchFamily="34" charset="-120"/>
                 <a:ea typeface="Microsoft JhengHei" pitchFamily="34" charset="-120"/>
               </a:rPr>
-              <a:t>這是天父世</a:t>
-            </a:r>
+              <a:t>這是天父世界</a:t>
+            </a:r>
+            <a:endParaRPr lang="en-US" sz="4800" b="1" dirty="0">
+              <a:latin typeface="Microsoft JhengHei" pitchFamily="34" charset="-120"/>
+              <a:ea typeface="Microsoft JhengHei" pitchFamily="34" charset="-120"/>
+            </a:endParaRPr>
+          </a:p>
+          <a:p>
+            <a:pPr marL="0" indent="0" algn="ctr">
+              <a:buNone/>
+            </a:pPr>
             <a:r>
               <a:rPr lang="zh-CN" altLang="en-US" sz="4800" b="1" dirty="0">
                 <a:latin typeface="Microsoft JhengHei" pitchFamily="34" charset="-120"/>
                 <a:ea typeface="Microsoft JhengHei" pitchFamily="34" charset="-120"/>
               </a:rPr>
-              <a:t>界</a:t>
+              <a:t>小鳥歡唱啼鳴</a:t>
             </a:r>
             <a:endParaRPr lang="en-US" sz="4800" b="1" dirty="0">
               <a:latin typeface="Microsoft JhengHei" pitchFamily="34" charset="-120"/>
@@ -3506,51 +3553,7 @@
                 <a:latin typeface="Microsoft JhengHei" pitchFamily="34" charset="-120"/>
                 <a:ea typeface="Microsoft JhengHei" pitchFamily="34" charset="-120"/>
               </a:rPr>
-              <a:t>小鳥歡唱啼</a:t>
-            </a:r>
-            <a:r>
-              <a:rPr lang="zh-CN" altLang="en-US" sz="4800" b="1" dirty="0">
-                <a:latin typeface="Microsoft JhengHei" pitchFamily="34" charset="-120"/>
-                <a:ea typeface="Microsoft JhengHei" pitchFamily="34" charset="-120"/>
-              </a:rPr>
-              <a:t>鳴</a:t>
-            </a:r>
-            <a:endParaRPr lang="en-US" sz="4800" b="1" dirty="0">
-              <a:latin typeface="Microsoft JhengHei" pitchFamily="34" charset="-120"/>
-              <a:ea typeface="Microsoft JhengHei" pitchFamily="34" charset="-120"/>
-            </a:endParaRPr>
-          </a:p>
-          <a:p>
-            <a:pPr marL="0" indent="0" algn="ctr">
-              <a:buNone/>
-            </a:pPr>
-            <a:r>
-              <a:rPr lang="zh-CN" altLang="en-US" sz="4800" b="1" dirty="0">
-                <a:latin typeface="Microsoft JhengHei" pitchFamily="34" charset="-120"/>
-                <a:ea typeface="Microsoft JhengHei" pitchFamily="34" charset="-120"/>
-              </a:rPr>
-              <a:t>清晨明</a:t>
-            </a:r>
-            <a:r>
-              <a:rPr lang="zh-CN" altLang="en-US" sz="4800" b="1" dirty="0">
-                <a:latin typeface="Microsoft JhengHei" pitchFamily="34" charset="-120"/>
-                <a:ea typeface="Microsoft JhengHei" pitchFamily="34" charset="-120"/>
-              </a:rPr>
-              <a:t>亮  百</a:t>
-            </a:r>
-            <a:r>
-              <a:rPr lang="zh-CN" altLang="en-US" sz="4800" b="1" dirty="0">
-                <a:latin typeface="Microsoft JhengHei" pitchFamily="34" charset="-120"/>
-                <a:ea typeface="Microsoft JhengHei" pitchFamily="34" charset="-120"/>
-              </a:rPr>
-              <a:t>花美</a:t>
-            </a:r>
-            <a:r>
-              <a:rPr lang="zh-CN" altLang="en-US" sz="4800" b="1" dirty="0">
-                <a:latin typeface="Microsoft JhengHei" pitchFamily="34" charset="-120"/>
-                <a:ea typeface="Microsoft JhengHei" pitchFamily="34" charset="-120"/>
-              </a:rPr>
-              <a:t>麗</a:t>
+              <a:t>清晨明亮  百花美麗</a:t>
             </a:r>
             <a:endParaRPr lang="en-US" sz="4800" b="1" dirty="0">
               <a:latin typeface="Microsoft JhengHei" pitchFamily="34" charset="-120"/>
@@ -3666,14 +3669,23 @@
                 <a:latin typeface="Microsoft JhengHei" pitchFamily="34" charset="-120"/>
                 <a:ea typeface="Microsoft JhengHei" pitchFamily="34" charset="-120"/>
               </a:rPr>
-              <a:t>這是天父世</a:t>
-            </a:r>
+              <a:t>這是天父世界</a:t>
+            </a:r>
+            <a:endParaRPr lang="en-US" sz="4800" b="1" dirty="0">
+              <a:latin typeface="Microsoft JhengHei" pitchFamily="34" charset="-120"/>
+              <a:ea typeface="Microsoft JhengHei" pitchFamily="34" charset="-120"/>
+            </a:endParaRPr>
+          </a:p>
+          <a:p>
+            <a:pPr marL="0" indent="0" algn="ctr">
+              <a:buNone/>
+            </a:pPr>
             <a:r>
               <a:rPr lang="zh-CN" altLang="en-US" sz="4800" b="1" dirty="0">
                 <a:latin typeface="Microsoft JhengHei" pitchFamily="34" charset="-120"/>
                 <a:ea typeface="Microsoft JhengHei" pitchFamily="34" charset="-120"/>
               </a:rPr>
-              <a:t>界</a:t>
+              <a:t>祂愛充滿世間</a:t>
             </a:r>
             <a:endParaRPr lang="en-US" sz="4800" b="1" dirty="0">
               <a:latin typeface="Microsoft JhengHei" pitchFamily="34" charset="-120"/>
@@ -3689,51 +3701,7 @@
                 <a:latin typeface="Microsoft JhengHei" pitchFamily="34" charset="-120"/>
                 <a:ea typeface="Microsoft JhengHei" pitchFamily="34" charset="-120"/>
               </a:rPr>
-              <a:t>祂愛充滿世</a:t>
-            </a:r>
-            <a:r>
-              <a:rPr lang="zh-CN" altLang="en-US" sz="4800" b="1" dirty="0">
-                <a:latin typeface="Microsoft JhengHei" pitchFamily="34" charset="-120"/>
-                <a:ea typeface="Microsoft JhengHei" pitchFamily="34" charset="-120"/>
-              </a:rPr>
-              <a:t>間</a:t>
-            </a:r>
-            <a:endParaRPr lang="en-US" sz="4800" b="1" dirty="0">
-              <a:latin typeface="Microsoft JhengHei" pitchFamily="34" charset="-120"/>
-              <a:ea typeface="Microsoft JhengHei" pitchFamily="34" charset="-120"/>
-            </a:endParaRPr>
-          </a:p>
-          <a:p>
-            <a:pPr marL="0" indent="0" algn="ctr">
-              <a:buNone/>
-            </a:pPr>
-            <a:r>
-              <a:rPr lang="zh-CN" altLang="en-US" sz="4800" b="1" dirty="0">
-                <a:latin typeface="Microsoft JhengHei" pitchFamily="34" charset="-120"/>
-                <a:ea typeface="Microsoft JhengHei" pitchFamily="34" charset="-120"/>
-              </a:rPr>
-              <a:t>風吹草</a:t>
-            </a:r>
-            <a:r>
-              <a:rPr lang="zh-CN" altLang="en-US" sz="4800" b="1" dirty="0">
-                <a:latin typeface="Microsoft JhengHei" pitchFamily="34" charset="-120"/>
-                <a:ea typeface="Microsoft JhengHei" pitchFamily="34" charset="-120"/>
-              </a:rPr>
-              <a:t>動  將</a:t>
-            </a:r>
-            <a:r>
-              <a:rPr lang="zh-CN" altLang="en-US" sz="4800" b="1" dirty="0">
-                <a:latin typeface="Microsoft JhengHei" pitchFamily="34" charset="-120"/>
-                <a:ea typeface="Microsoft JhengHei" pitchFamily="34" charset="-120"/>
-              </a:rPr>
-              <a:t>祂表</a:t>
-            </a:r>
-            <a:r>
-              <a:rPr lang="zh-CN" altLang="en-US" sz="4800" b="1" dirty="0">
-                <a:latin typeface="Microsoft JhengHei" pitchFamily="34" charset="-120"/>
-                <a:ea typeface="Microsoft JhengHei" pitchFamily="34" charset="-120"/>
-              </a:rPr>
-              <a:t>現</a:t>
+              <a:t>風吹草動  將祂表現</a:t>
             </a:r>
             <a:endParaRPr lang="en-US" sz="4800" b="1" dirty="0">
               <a:latin typeface="Microsoft JhengHei" pitchFamily="34" charset="-120"/>
@@ -3849,14 +3817,23 @@
                 <a:latin typeface="Microsoft JhengHei" pitchFamily="34" charset="-120"/>
                 <a:ea typeface="Microsoft JhengHei" pitchFamily="34" charset="-120"/>
               </a:rPr>
-              <a:t>這是天父世</a:t>
-            </a:r>
+              <a:t>這是天父世界</a:t>
+            </a:r>
+            <a:endParaRPr lang="en-US" sz="4800" b="1" dirty="0">
+              <a:latin typeface="Microsoft JhengHei" pitchFamily="34" charset="-120"/>
+              <a:ea typeface="Microsoft JhengHei" pitchFamily="34" charset="-120"/>
+            </a:endParaRPr>
+          </a:p>
+          <a:p>
+            <a:pPr marL="0" indent="0" algn="ctr">
+              <a:buNone/>
+            </a:pPr>
             <a:r>
               <a:rPr lang="zh-CN" altLang="en-US" sz="4800" b="1" dirty="0">
                 <a:latin typeface="Microsoft JhengHei" pitchFamily="34" charset="-120"/>
                 <a:ea typeface="Microsoft JhengHei" pitchFamily="34" charset="-120"/>
               </a:rPr>
-              <a:t>界</a:t>
+              <a:t>求主叫我不忘</a:t>
             </a:r>
             <a:endParaRPr lang="en-US" sz="4800" b="1" dirty="0">
               <a:latin typeface="Microsoft JhengHei" pitchFamily="34" charset="-120"/>
@@ -3872,37 +3849,7 @@
                 <a:latin typeface="Microsoft JhengHei" pitchFamily="34" charset="-120"/>
                 <a:ea typeface="Microsoft JhengHei" pitchFamily="34" charset="-120"/>
               </a:rPr>
-              <a:t>求主叫我不</a:t>
-            </a:r>
-            <a:r>
-              <a:rPr lang="zh-CN" altLang="en-US" sz="4800" b="1" dirty="0">
-                <a:latin typeface="Microsoft JhengHei" pitchFamily="34" charset="-120"/>
-                <a:ea typeface="Microsoft JhengHei" pitchFamily="34" charset="-120"/>
-              </a:rPr>
-              <a:t>忘</a:t>
-            </a:r>
-            <a:endParaRPr lang="en-US" sz="4800" b="1" dirty="0">
-              <a:latin typeface="Microsoft JhengHei" pitchFamily="34" charset="-120"/>
-              <a:ea typeface="Microsoft JhengHei" pitchFamily="34" charset="-120"/>
-            </a:endParaRPr>
-          </a:p>
-          <a:p>
-            <a:pPr marL="0" indent="0" algn="ctr">
-              <a:buNone/>
-            </a:pPr>
-            <a:r>
-              <a:rPr lang="zh-CN" altLang="en-US" sz="4800" b="1" dirty="0">
-                <a:latin typeface="Microsoft JhengHei" pitchFamily="34" charset="-120"/>
-                <a:ea typeface="Microsoft JhengHei" pitchFamily="34" charset="-120"/>
-              </a:rPr>
-              <a:t>黑暗勢力雖然猖</a:t>
-            </a:r>
-            <a:r>
-              <a:rPr lang="zh-CN" altLang="en-US" sz="4800" b="1" dirty="0">
-                <a:latin typeface="Microsoft JhengHei" pitchFamily="34" charset="-120"/>
-                <a:ea typeface="Microsoft JhengHei" pitchFamily="34" charset="-120"/>
-              </a:rPr>
-              <a:t>狂</a:t>
+              <a:t>黑暗勢力雖然猖狂</a:t>
             </a:r>
             <a:endParaRPr lang="en-US" sz="4800" b="1" dirty="0">
               <a:latin typeface="Microsoft JhengHei" pitchFamily="34" charset="-120"/>
@@ -4018,14 +3965,23 @@
                 <a:latin typeface="Microsoft JhengHei" pitchFamily="34" charset="-120"/>
                 <a:ea typeface="Microsoft JhengHei" pitchFamily="34" charset="-120"/>
               </a:rPr>
-              <a:t>這是天父世</a:t>
-            </a:r>
+              <a:t>這是天父世界</a:t>
+            </a:r>
+            <a:endParaRPr lang="en-US" sz="4800" b="1" dirty="0">
+              <a:latin typeface="Microsoft JhengHei" pitchFamily="34" charset="-120"/>
+              <a:ea typeface="Microsoft JhengHei" pitchFamily="34" charset="-120"/>
+            </a:endParaRPr>
+          </a:p>
+          <a:p>
+            <a:pPr marL="0" indent="0" algn="ctr">
+              <a:buNone/>
+            </a:pPr>
             <a:r>
               <a:rPr lang="zh-CN" altLang="en-US" sz="4800" b="1" dirty="0">
                 <a:latin typeface="Microsoft JhengHei" pitchFamily="34" charset="-120"/>
                 <a:ea typeface="Microsoft JhengHei" pitchFamily="34" charset="-120"/>
               </a:rPr>
-              <a:t>界</a:t>
+              <a:t>我心不必憂傷</a:t>
             </a:r>
             <a:endParaRPr lang="en-US" sz="4800" b="1" dirty="0">
               <a:latin typeface="Microsoft JhengHei" pitchFamily="34" charset="-120"/>
@@ -4041,51 +3997,7 @@
                 <a:latin typeface="Microsoft JhengHei" pitchFamily="34" charset="-120"/>
                 <a:ea typeface="Microsoft JhengHei" pitchFamily="34" charset="-120"/>
               </a:rPr>
-              <a:t>我心不必憂</a:t>
-            </a:r>
-            <a:r>
-              <a:rPr lang="zh-CN" altLang="en-US" sz="4800" b="1" dirty="0">
-                <a:latin typeface="Microsoft JhengHei" pitchFamily="34" charset="-120"/>
-                <a:ea typeface="Microsoft JhengHei" pitchFamily="34" charset="-120"/>
-              </a:rPr>
-              <a:t>傷</a:t>
-            </a:r>
-            <a:endParaRPr lang="en-US" sz="4800" b="1" dirty="0">
-              <a:latin typeface="Microsoft JhengHei" pitchFamily="34" charset="-120"/>
-              <a:ea typeface="Microsoft JhengHei" pitchFamily="34" charset="-120"/>
-            </a:endParaRPr>
-          </a:p>
-          <a:p>
-            <a:pPr marL="0" indent="0" algn="ctr">
-              <a:buNone/>
-            </a:pPr>
-            <a:r>
-              <a:rPr lang="zh-CN" altLang="en-US" sz="4800" b="1" dirty="0">
-                <a:latin typeface="Microsoft JhengHei" pitchFamily="34" charset="-120"/>
-                <a:ea typeface="Microsoft JhengHei" pitchFamily="34" charset="-120"/>
-              </a:rPr>
-              <a:t>上帝是</a:t>
-            </a:r>
-            <a:r>
-              <a:rPr lang="zh-CN" altLang="en-US" sz="4800" b="1" dirty="0">
-                <a:latin typeface="Microsoft JhengHei" pitchFamily="34" charset="-120"/>
-                <a:ea typeface="Microsoft JhengHei" pitchFamily="34" charset="-120"/>
-              </a:rPr>
-              <a:t>王  宇</a:t>
-            </a:r>
-            <a:r>
-              <a:rPr lang="zh-CN" altLang="en-US" sz="4800" b="1" dirty="0">
-                <a:latin typeface="Microsoft JhengHei" pitchFamily="34" charset="-120"/>
-                <a:ea typeface="Microsoft JhengHei" pitchFamily="34" charset="-120"/>
-              </a:rPr>
-              <a:t>宙歡</a:t>
-            </a:r>
-            <a:r>
-              <a:rPr lang="zh-CN" altLang="en-US" sz="4800" b="1" dirty="0">
-                <a:latin typeface="Microsoft JhengHei" pitchFamily="34" charset="-120"/>
-                <a:ea typeface="Microsoft JhengHei" pitchFamily="34" charset="-120"/>
-              </a:rPr>
-              <a:t>唱</a:t>
+              <a:t>上帝是王  宇宙歡唱</a:t>
             </a:r>
             <a:endParaRPr lang="en-US" sz="4800" b="1" dirty="0">
               <a:latin typeface="Microsoft JhengHei" pitchFamily="34" charset="-120"/>
